--- a/test/pptx/two-column/text-and-image/templated.pptx
+++ b/test/pptx/two-column/text-and-image/templated.pptx
@@ -5745,15 +5745,7 @@
             </a:pPr>
             <a:r>
               <a:rPr/>
-              <a:t>Slide</a:t>
-            </a:r>
-            <a:r>
-              <a:rPr/>
-              <a:t> </a:t>
-            </a:r>
-            <a:r>
-              <a:rPr/>
-              <a:t>1</a:t>
+              <a:t>Slide 1</a:t>
             </a:r>
           </a:p>
         </p:txBody>
@@ -5813,15 +5805,7 @@
             </a:pPr>
             <a:r>
               <a:rPr/>
-              <a:t>an</a:t>
-            </a:r>
-            <a:r>
-              <a:rPr/>
-              <a:t> </a:t>
-            </a:r>
-            <a:r>
-              <a:rPr/>
-              <a:t>image</a:t>
+              <a:t>an image</a:t>
             </a:r>
           </a:p>
         </p:txBody>
@@ -5901,15 +5885,7 @@
             </a:pPr>
             <a:r>
               <a:rPr/>
-              <a:t>Slide</a:t>
-            </a:r>
-            <a:r>
-              <a:rPr/>
-              <a:t> </a:t>
-            </a:r>
-            <a:r>
-              <a:rPr/>
-              <a:t>2</a:t>
+              <a:t>Slide 2</a:t>
             </a:r>
           </a:p>
         </p:txBody>
@@ -5994,15 +5970,7 @@
             </a:pPr>
             <a:r>
               <a:rPr/>
-              <a:t>an</a:t>
-            </a:r>
-            <a:r>
-              <a:rPr/>
-              <a:t> </a:t>
-            </a:r>
-            <a:r>
-              <a:rPr/>
-              <a:t>image</a:t>
+              <a:t>an image</a:t>
             </a:r>
           </a:p>
         </p:txBody>

--- a/test/pptx/two-column/text-and-image/templated.pptx
+++ b/test/pptx/two-column/text-and-image/templated.pptx
@@ -5745,11 +5745,7 @@
             </a:pPr>
             <a:r>
               <a:rPr/>
-              <a:t>Slide</a:t>
-            </a:r>
-            <a:r>
-              <a:rPr/>
-              <a:t> </a:t>
+              <a:t>Slide </a:t>
             </a:r>
             <a:r>
               <a:rPr/>
@@ -5813,11 +5809,7 @@
             </a:pPr>
             <a:r>
               <a:rPr/>
-              <a:t>an</a:t>
-            </a:r>
-            <a:r>
-              <a:rPr/>
-              <a:t> </a:t>
+              <a:t>an </a:t>
             </a:r>
             <a:r>
               <a:rPr/>
@@ -5901,11 +5893,7 @@
             </a:pPr>
             <a:r>
               <a:rPr/>
-              <a:t>Slide</a:t>
-            </a:r>
-            <a:r>
-              <a:rPr/>
-              <a:t> </a:t>
+              <a:t>Slide </a:t>
             </a:r>
             <a:r>
               <a:rPr/>
@@ -5994,11 +5982,7 @@
             </a:pPr>
             <a:r>
               <a:rPr/>
-              <a:t>an</a:t>
-            </a:r>
-            <a:r>
-              <a:rPr/>
-              <a:t> </a:t>
+              <a:t>an </a:t>
             </a:r>
             <a:r>
               <a:rPr/>

--- a/test/pptx/two-column/text-and-image/templated.pptx
+++ b/test/pptx/two-column/text-and-image/templated.pptx
@@ -5745,7 +5745,11 @@
             </a:pPr>
             <a:r>
               <a:rPr/>
-              <a:t>Slide </a:t>
+              <a:t>Slide</a:t>
+            </a:r>
+            <a:r>
+              <a:rPr/>
+              <a:t> </a:t>
             </a:r>
             <a:r>
               <a:rPr/>
@@ -5809,7 +5813,11 @@
             </a:pPr>
             <a:r>
               <a:rPr/>
-              <a:t>an </a:t>
+              <a:t>an</a:t>
+            </a:r>
+            <a:r>
+              <a:rPr/>
+              <a:t> </a:t>
             </a:r>
             <a:r>
               <a:rPr/>
@@ -5893,7 +5901,11 @@
             </a:pPr>
             <a:r>
               <a:rPr/>
-              <a:t>Slide </a:t>
+              <a:t>Slide</a:t>
+            </a:r>
+            <a:r>
+              <a:rPr/>
+              <a:t> </a:t>
             </a:r>
             <a:r>
               <a:rPr/>
@@ -5982,7 +5994,11 @@
             </a:pPr>
             <a:r>
               <a:rPr/>
-              <a:t>an </a:t>
+              <a:t>an</a:t>
+            </a:r>
+            <a:r>
+              <a:rPr/>
+              <a:t> </a:t>
             </a:r>
             <a:r>
               <a:rPr/>
